--- a/Presentation1.pptx
+++ b/Presentation1.pptx
@@ -109,6 +109,11 @@
       </a:defRPr>
     </a:lvl9pPr>
   </p:defaultTextStyle>
+  <p:extLst>
+    <p:ext uri="{EFAFB233-063F-42B5-8137-9DF3F51BA10A}">
+      <p15:sldGuideLst xmlns:p15="http://schemas.microsoft.com/office/powerpoint/2012/main"/>
+    </p:ext>
+  </p:extLst>
 </p:presentation>
 </file>
 
@@ -7765,40 +7770,53 @@
             <p:ph type="title"/>
           </p:nvPr>
         </p:nvSpPr>
-        <p:spPr/>
+        <p:spPr>
+          <a:xfrm>
+            <a:off x="1464276" y="0"/>
+            <a:ext cx="10131425" cy="830191"/>
+          </a:xfrm>
+        </p:spPr>
         <p:txBody>
           <a:bodyPr/>
           <a:lstStyle/>
           <a:p>
-            <a:endParaRPr lang="en-SL"/>
-          </a:p>
-        </p:txBody>
-      </p:sp>
-      <p:sp>
-        <p:nvSpPr>
-          <p:cNvPr id="3" name="Content Placeholder 2">
+            <a:r>
+              <a:rPr lang="en-GB" dirty="0"/>
+              <a:t>data consumption applications</a:t>
+            </a:r>
+            <a:endParaRPr lang="en-SL" dirty="0"/>
+          </a:p>
+        </p:txBody>
+      </p:sp>
+      <p:pic>
+        <p:nvPicPr>
+          <p:cNvPr id="5" name="Content Placeholder 4" descr="Chart&#10;&#10;Description automatically generated">
             <a:extLst>
               <a:ext uri="{FF2B5EF4-FFF2-40B4-BE49-F238E27FC236}">
-                <a16:creationId xmlns:a16="http://schemas.microsoft.com/office/drawing/2014/main" id="{BEE6A50B-3024-FA52-AE0F-57CC2317852D}"/>
+                <a16:creationId xmlns:a16="http://schemas.microsoft.com/office/drawing/2014/main" id="{C79E9DEA-98C8-B421-6AC3-55ECA7D705D7}"/>
               </a:ext>
             </a:extLst>
           </p:cNvPr>
-          <p:cNvSpPr>
-            <a:spLocks noGrp="1"/>
-          </p:cNvSpPr>
+          <p:cNvPicPr>
+            <a:picLocks noGrp="1" noChangeAspect="1"/>
+          </p:cNvPicPr>
           <p:nvPr>
             <p:ph idx="1"/>
           </p:nvPr>
-        </p:nvSpPr>
-        <p:spPr/>
-        <p:txBody>
-          <a:bodyPr/>
-          <a:lstStyle/>
-          <a:p>
-            <a:endParaRPr lang="en-SL"/>
-          </a:p>
-        </p:txBody>
-      </p:sp>
+        </p:nvPicPr>
+        <p:blipFill>
+          <a:blip r:embed="rId2"/>
+          <a:stretch>
+            <a:fillRect/>
+          </a:stretch>
+        </p:blipFill>
+        <p:spPr>
+          <a:xfrm>
+            <a:off x="2161666" y="830191"/>
+            <a:ext cx="6784626" cy="5945668"/>
+          </a:xfrm>
+        </p:spPr>
+      </p:pic>
     </p:spTree>
     <p:extLst>
       <p:ext uri="{BB962C8B-B14F-4D97-AF65-F5344CB8AC3E}">
